--- a/Daily Agendas/Day2.4_PythonIntro.pptx
+++ b/Daily Agendas/Day2.4_PythonIntro.pptx
@@ -308,7 +308,7 @@
             <a:fld id="{1D8BD707-D9CF-40AE-B4C6-C98DA3205C09}" type="datetimeFigureOut">
               <a:rPr lang="en-US" smtClean="0"/>
               <a:pPr/>
-              <a:t>2/13/2019</a:t>
+              <a:t>2/14/2019</a:t>
             </a:fld>
             <a:endParaRPr lang="en-US"/>
           </a:p>
@@ -473,7 +473,7 @@
             <a:fld id="{1D8BD707-D9CF-40AE-B4C6-C98DA3205C09}" type="datetimeFigureOut">
               <a:rPr lang="en-US" smtClean="0"/>
               <a:pPr/>
-              <a:t>2/13/2019</a:t>
+              <a:t>2/14/2019</a:t>
             </a:fld>
             <a:endParaRPr lang="en-US"/>
           </a:p>
@@ -648,7 +648,7 @@
             <a:fld id="{1D8BD707-D9CF-40AE-B4C6-C98DA3205C09}" type="datetimeFigureOut">
               <a:rPr lang="en-US" smtClean="0"/>
               <a:pPr/>
-              <a:t>2/13/2019</a:t>
+              <a:t>2/14/2019</a:t>
             </a:fld>
             <a:endParaRPr lang="en-US"/>
           </a:p>
@@ -813,7 +813,7 @@
             <a:fld id="{1D8BD707-D9CF-40AE-B4C6-C98DA3205C09}" type="datetimeFigureOut">
               <a:rPr lang="en-US" smtClean="0"/>
               <a:pPr/>
-              <a:t>2/13/2019</a:t>
+              <a:t>2/14/2019</a:t>
             </a:fld>
             <a:endParaRPr lang="en-US"/>
           </a:p>
@@ -1055,7 +1055,7 @@
             <a:fld id="{1D8BD707-D9CF-40AE-B4C6-C98DA3205C09}" type="datetimeFigureOut">
               <a:rPr lang="en-US" smtClean="0"/>
               <a:pPr/>
-              <a:t>2/13/2019</a:t>
+              <a:t>2/14/2019</a:t>
             </a:fld>
             <a:endParaRPr lang="en-US"/>
           </a:p>
@@ -1337,7 +1337,7 @@
             <a:fld id="{1D8BD707-D9CF-40AE-B4C6-C98DA3205C09}" type="datetimeFigureOut">
               <a:rPr lang="en-US" smtClean="0"/>
               <a:pPr/>
-              <a:t>2/13/2019</a:t>
+              <a:t>2/14/2019</a:t>
             </a:fld>
             <a:endParaRPr lang="en-US"/>
           </a:p>
@@ -1753,7 +1753,7 @@
             <a:fld id="{1D8BD707-D9CF-40AE-B4C6-C98DA3205C09}" type="datetimeFigureOut">
               <a:rPr lang="en-US" smtClean="0"/>
               <a:pPr/>
-              <a:t>2/13/2019</a:t>
+              <a:t>2/14/2019</a:t>
             </a:fld>
             <a:endParaRPr lang="en-US"/>
           </a:p>
@@ -1867,7 +1867,7 @@
             <a:fld id="{1D8BD707-D9CF-40AE-B4C6-C98DA3205C09}" type="datetimeFigureOut">
               <a:rPr lang="en-US" smtClean="0"/>
               <a:pPr/>
-              <a:t>2/13/2019</a:t>
+              <a:t>2/14/2019</a:t>
             </a:fld>
             <a:endParaRPr lang="en-US"/>
           </a:p>
@@ -1959,7 +1959,7 @@
             <a:fld id="{1D8BD707-D9CF-40AE-B4C6-C98DA3205C09}" type="datetimeFigureOut">
               <a:rPr lang="en-US" smtClean="0"/>
               <a:pPr/>
-              <a:t>2/13/2019</a:t>
+              <a:t>2/14/2019</a:t>
             </a:fld>
             <a:endParaRPr lang="en-US"/>
           </a:p>
@@ -2231,7 +2231,7 @@
             <a:fld id="{1D8BD707-D9CF-40AE-B4C6-C98DA3205C09}" type="datetimeFigureOut">
               <a:rPr lang="en-US" smtClean="0"/>
               <a:pPr/>
-              <a:t>2/13/2019</a:t>
+              <a:t>2/14/2019</a:t>
             </a:fld>
             <a:endParaRPr lang="en-US"/>
           </a:p>
@@ -2480,7 +2480,7 @@
             <a:fld id="{1D8BD707-D9CF-40AE-B4C6-C98DA3205C09}" type="datetimeFigureOut">
               <a:rPr lang="en-US" smtClean="0"/>
               <a:pPr/>
-              <a:t>2/13/2019</a:t>
+              <a:t>2/14/2019</a:t>
             </a:fld>
             <a:endParaRPr lang="en-US"/>
           </a:p>
@@ -2688,7 +2688,7 @@
             <a:fld id="{1D8BD707-D9CF-40AE-B4C6-C98DA3205C09}" type="datetimeFigureOut">
               <a:rPr lang="en-US" smtClean="0"/>
               <a:pPr/>
-              <a:t>2/13/2019</a:t>
+              <a:t>2/14/2019</a:t>
             </a:fld>
             <a:endParaRPr lang="en-US"/>
           </a:p>
@@ -3318,6 +3318,13 @@
   <p:clrMapOvr>
     <a:masterClrMapping/>
   </p:clrMapOvr>
+  <p:timing>
+    <p:tnLst>
+      <p:par>
+        <p:cTn id="1" dur="indefinite" restart="never" nodeType="tmRoot"/>
+      </p:par>
+    </p:tnLst>
+  </p:timing>
 </p:sld>
 </file>
 
@@ -3406,6 +3413,13 @@
   <p:clrMapOvr>
     <a:masterClrMapping/>
   </p:clrMapOvr>
+  <p:timing>
+    <p:tnLst>
+      <p:par>
+        <p:cTn id="1" dur="indefinite" restart="never" nodeType="tmRoot"/>
+      </p:par>
+    </p:tnLst>
+  </p:timing>
 </p:sld>
 </file>
 
@@ -3494,6 +3508,13 @@
   <p:clrMapOvr>
     <a:masterClrMapping/>
   </p:clrMapOvr>
+  <p:timing>
+    <p:tnLst>
+      <p:par>
+        <p:cTn id="1" dur="indefinite" restart="never" nodeType="tmRoot"/>
+      </p:par>
+    </p:tnLst>
+  </p:timing>
 </p:sld>
 </file>
 
@@ -3565,8 +3586,12 @@
               <a:buNone/>
             </a:pPr>
             <a:r>
+              <a:rPr lang="en-CA" sz="4400" smtClean="0"/>
+              <a:t>print(answer</a:t>
+            </a:r>
+            <a:r>
               <a:rPr lang="en-CA" sz="4400" dirty="0" smtClean="0"/>
-              <a:t>Print(answer)</a:t>
+              <a:t>)</a:t>
             </a:r>
             <a:endParaRPr lang="en-US" sz="4400" dirty="0"/>
           </a:p>
@@ -3582,6 +3607,13 @@
   <p:clrMapOvr>
     <a:masterClrMapping/>
   </p:clrMapOvr>
+  <p:timing>
+    <p:tnLst>
+      <p:par>
+        <p:cTn id="1" dur="indefinite" restart="never" nodeType="tmRoot"/>
+      </p:par>
+    </p:tnLst>
+  </p:timing>
 </p:sld>
 </file>
 
@@ -3670,6 +3702,13 @@
   <p:clrMapOvr>
     <a:masterClrMapping/>
   </p:clrMapOvr>
+  <p:timing>
+    <p:tnLst>
+      <p:par>
+        <p:cTn id="1" dur="indefinite" restart="never" nodeType="tmRoot"/>
+      </p:par>
+    </p:tnLst>
+  </p:timing>
 </p:sld>
 </file>
 
